--- a/docs/presentation.pptx
+++ b/docs/presentation.pptx
@@ -11497,10 +11497,10 @@
       </p:sp>
       <p:pic>
         <p:nvPicPr>
-          <p:cNvPr id="3" name="Рисунок 2">
+          <p:cNvPr id="5" name="Рисунок 4">
             <a:extLst>
               <a:ext uri="{FF2B5EF4-FFF2-40B4-BE49-F238E27FC236}">
-                <a16:creationId xmlns:a16="http://schemas.microsoft.com/office/drawing/2014/main" id="{7FE63BFB-A929-C0B2-ED28-0A3C3F3F026A}"/>
+                <a16:creationId xmlns:a16="http://schemas.microsoft.com/office/drawing/2014/main" id="{B89EA140-3B5D-4DF8-1804-B5615B1519B1}"/>
               </a:ext>
             </a:extLst>
           </p:cNvPr>
@@ -11517,8 +11517,8 @@
         </p:blipFill>
         <p:spPr>
           <a:xfrm>
-            <a:off x="338388" y="1877419"/>
-            <a:ext cx="9568384" cy="5581557"/>
+            <a:off x="637583" y="1877420"/>
+            <a:ext cx="9417679" cy="5476519"/>
           </a:xfrm>
           <a:prstGeom prst="rect">
             <a:avLst/>
